--- a/Monograph/ネットワークの例.pptx
+++ b/Monograph/ネットワークの例.pptx
@@ -243,7 +243,7 @@
           <a:p>
             <a:fld id="{62077D9E-A3C4-6643-AD6F-7E4CEAD3A07E}" type="datetimeFigureOut">
               <a:rPr kumimoji="1" lang="ja-JP" altLang="en-US" smtClean="0"/>
-              <a:t>2016/1/24</a:t>
+              <a:t>2016/2/8</a:t>
             </a:fld>
             <a:endParaRPr kumimoji="1" lang="ja-JP" altLang="en-US"/>
           </a:p>
@@ -445,7 +445,7 @@
           <a:p>
             <a:fld id="{62077D9E-A3C4-6643-AD6F-7E4CEAD3A07E}" type="datetimeFigureOut">
               <a:rPr kumimoji="1" lang="ja-JP" altLang="en-US" smtClean="0"/>
-              <a:t>2016/1/24</a:t>
+              <a:t>2016/2/8</a:t>
             </a:fld>
             <a:endParaRPr kumimoji="1" lang="ja-JP" altLang="en-US"/>
           </a:p>
@@ -657,7 +657,7 @@
           <a:p>
             <a:fld id="{62077D9E-A3C4-6643-AD6F-7E4CEAD3A07E}" type="datetimeFigureOut">
               <a:rPr kumimoji="1" lang="ja-JP" altLang="en-US" smtClean="0"/>
-              <a:t>2016/1/24</a:t>
+              <a:t>2016/2/8</a:t>
             </a:fld>
             <a:endParaRPr kumimoji="1" lang="ja-JP" altLang="en-US"/>
           </a:p>
@@ -859,7 +859,7 @@
           <a:p>
             <a:fld id="{62077D9E-A3C4-6643-AD6F-7E4CEAD3A07E}" type="datetimeFigureOut">
               <a:rPr kumimoji="1" lang="ja-JP" altLang="en-US" smtClean="0"/>
-              <a:t>2016/1/24</a:t>
+              <a:t>2016/2/8</a:t>
             </a:fld>
             <a:endParaRPr kumimoji="1" lang="ja-JP" altLang="en-US"/>
           </a:p>
@@ -1105,7 +1105,7 @@
           <a:p>
             <a:fld id="{62077D9E-A3C4-6643-AD6F-7E4CEAD3A07E}" type="datetimeFigureOut">
               <a:rPr kumimoji="1" lang="ja-JP" altLang="en-US" smtClean="0"/>
-              <a:t>2016/1/24</a:t>
+              <a:t>2016/2/8</a:t>
             </a:fld>
             <a:endParaRPr kumimoji="1" lang="ja-JP" altLang="en-US"/>
           </a:p>
@@ -1401,7 +1401,7 @@
           <a:p>
             <a:fld id="{62077D9E-A3C4-6643-AD6F-7E4CEAD3A07E}" type="datetimeFigureOut">
               <a:rPr kumimoji="1" lang="ja-JP" altLang="en-US" smtClean="0"/>
-              <a:t>2016/1/24</a:t>
+              <a:t>2016/2/8</a:t>
             </a:fld>
             <a:endParaRPr kumimoji="1" lang="ja-JP" altLang="en-US"/>
           </a:p>
@@ -1832,7 +1832,7 @@
           <a:p>
             <a:fld id="{62077D9E-A3C4-6643-AD6F-7E4CEAD3A07E}" type="datetimeFigureOut">
               <a:rPr kumimoji="1" lang="ja-JP" altLang="en-US" smtClean="0"/>
-              <a:t>2016/1/24</a:t>
+              <a:t>2016/2/8</a:t>
             </a:fld>
             <a:endParaRPr kumimoji="1" lang="ja-JP" altLang="en-US"/>
           </a:p>
@@ -1950,7 +1950,7 @@
           <a:p>
             <a:fld id="{62077D9E-A3C4-6643-AD6F-7E4CEAD3A07E}" type="datetimeFigureOut">
               <a:rPr kumimoji="1" lang="ja-JP" altLang="en-US" smtClean="0"/>
-              <a:t>2016/1/24</a:t>
+              <a:t>2016/2/8</a:t>
             </a:fld>
             <a:endParaRPr kumimoji="1" lang="ja-JP" altLang="en-US"/>
           </a:p>
@@ -2045,7 +2045,7 @@
           <a:p>
             <a:fld id="{62077D9E-A3C4-6643-AD6F-7E4CEAD3A07E}" type="datetimeFigureOut">
               <a:rPr kumimoji="1" lang="ja-JP" altLang="en-US" smtClean="0"/>
-              <a:t>2016/1/24</a:t>
+              <a:t>2016/2/8</a:t>
             </a:fld>
             <a:endParaRPr kumimoji="1" lang="ja-JP" altLang="en-US"/>
           </a:p>
@@ -2354,7 +2354,7 @@
           <a:p>
             <a:fld id="{62077D9E-A3C4-6643-AD6F-7E4CEAD3A07E}" type="datetimeFigureOut">
               <a:rPr kumimoji="1" lang="ja-JP" altLang="en-US" smtClean="0"/>
-              <a:t>2016/1/24</a:t>
+              <a:t>2016/2/8</a:t>
             </a:fld>
             <a:endParaRPr kumimoji="1" lang="ja-JP" altLang="en-US"/>
           </a:p>
@@ -2607,7 +2607,7 @@
           <a:p>
             <a:fld id="{62077D9E-A3C4-6643-AD6F-7E4CEAD3A07E}" type="datetimeFigureOut">
               <a:rPr kumimoji="1" lang="ja-JP" altLang="en-US" smtClean="0"/>
-              <a:t>2016/1/24</a:t>
+              <a:t>2016/2/8</a:t>
             </a:fld>
             <a:endParaRPr kumimoji="1" lang="ja-JP" altLang="en-US"/>
           </a:p>
@@ -2852,7 +2852,7 @@
           <a:p>
             <a:fld id="{62077D9E-A3C4-6643-AD6F-7E4CEAD3A07E}" type="datetimeFigureOut">
               <a:rPr kumimoji="1" lang="ja-JP" altLang="en-US" smtClean="0"/>
-              <a:t>2016/1/24</a:t>
+              <a:t>2016/2/8</a:t>
             </a:fld>
             <a:endParaRPr kumimoji="1" lang="ja-JP" altLang="en-US"/>
           </a:p>
@@ -4221,10 +4221,14 @@
           <a:lstStyle/>
           <a:p>
             <a:r>
-              <a:rPr lang="en-US" altLang="ja-JP" i="1" smtClean="0"/>
-              <a:t>e3</a:t>
-            </a:r>
-            <a:endParaRPr kumimoji="1" lang="ja-JP" altLang="en-US" i="1" dirty="0"/>
+              <a:rPr lang="en-US" altLang="ja-JP" i="1" dirty="0" smtClean="0"/>
+              <a:t>e</a:t>
+            </a:r>
+            <a:r>
+              <a:rPr lang="en-US" altLang="ja-JP" i="1" baseline="-25000" dirty="0" smtClean="0"/>
+              <a:t>3</a:t>
+            </a:r>
+            <a:endParaRPr kumimoji="1" lang="ja-JP" altLang="en-US" i="1" baseline="-25000" dirty="0"/>
           </a:p>
         </p:txBody>
       </p:sp>
@@ -4251,10 +4255,14 @@
           <a:lstStyle/>
           <a:p>
             <a:r>
-              <a:rPr lang="en-US" altLang="ja-JP" i="1" smtClean="0"/>
-              <a:t>e1</a:t>
-            </a:r>
-            <a:endParaRPr kumimoji="1" lang="ja-JP" altLang="en-US" i="1" dirty="0"/>
+              <a:rPr lang="en-US" altLang="ja-JP" i="1" dirty="0" smtClean="0"/>
+              <a:t>e</a:t>
+            </a:r>
+            <a:r>
+              <a:rPr lang="en-US" altLang="ja-JP" i="1" baseline="-25000" dirty="0" smtClean="0"/>
+              <a:t>1</a:t>
+            </a:r>
+            <a:endParaRPr kumimoji="1" lang="ja-JP" altLang="en-US" i="1" baseline="-25000" dirty="0"/>
           </a:p>
         </p:txBody>
       </p:sp>
@@ -4281,10 +4289,14 @@
           <a:lstStyle/>
           <a:p>
             <a:r>
-              <a:rPr lang="en-US" altLang="ja-JP" i="1" smtClean="0"/>
-              <a:t>e2</a:t>
-            </a:r>
-            <a:endParaRPr kumimoji="1" lang="ja-JP" altLang="en-US" i="1" dirty="0"/>
+              <a:rPr lang="en-US" altLang="ja-JP" i="1" dirty="0" smtClean="0"/>
+              <a:t>e</a:t>
+            </a:r>
+            <a:r>
+              <a:rPr lang="en-US" altLang="ja-JP" i="1" baseline="-25000" dirty="0" smtClean="0"/>
+              <a:t>2</a:t>
+            </a:r>
+            <a:endParaRPr kumimoji="1" lang="ja-JP" altLang="en-US" i="1" baseline="-25000" dirty="0"/>
           </a:p>
         </p:txBody>
       </p:sp>
@@ -4311,10 +4323,14 @@
           <a:lstStyle/>
           <a:p>
             <a:r>
-              <a:rPr lang="en-US" altLang="ja-JP" i="1" smtClean="0"/>
-              <a:t>e4</a:t>
-            </a:r>
-            <a:endParaRPr kumimoji="1" lang="ja-JP" altLang="en-US" i="1" dirty="0"/>
+              <a:rPr lang="en-US" altLang="ja-JP" i="1" dirty="0" smtClean="0"/>
+              <a:t>e</a:t>
+            </a:r>
+            <a:r>
+              <a:rPr lang="en-US" altLang="ja-JP" i="1" baseline="-25000" dirty="0" smtClean="0"/>
+              <a:t>4</a:t>
+            </a:r>
+            <a:endParaRPr kumimoji="1" lang="ja-JP" altLang="en-US" i="1" baseline="-25000" dirty="0"/>
           </a:p>
         </p:txBody>
       </p:sp>
@@ -4341,10 +4357,14 @@
           <a:lstStyle/>
           <a:p>
             <a:r>
-              <a:rPr lang="en-US" altLang="ja-JP" i="1" smtClean="0"/>
-              <a:t>e5</a:t>
-            </a:r>
-            <a:endParaRPr kumimoji="1" lang="ja-JP" altLang="en-US" i="1" dirty="0"/>
+              <a:rPr lang="en-US" altLang="ja-JP" i="1" dirty="0" smtClean="0"/>
+              <a:t>e</a:t>
+            </a:r>
+            <a:r>
+              <a:rPr lang="en-US" altLang="ja-JP" i="1" baseline="-25000" dirty="0" smtClean="0"/>
+              <a:t>5</a:t>
+            </a:r>
+            <a:endParaRPr kumimoji="1" lang="ja-JP" altLang="en-US" i="1" baseline="-25000" dirty="0"/>
           </a:p>
         </p:txBody>
       </p:sp>
@@ -4372,9 +4392,13 @@
           <a:p>
             <a:r>
               <a:rPr lang="en-US" altLang="ja-JP" i="1" dirty="0" smtClean="0"/>
-              <a:t>e7</a:t>
-            </a:r>
-            <a:endParaRPr kumimoji="1" lang="ja-JP" altLang="en-US" i="1" dirty="0"/>
+              <a:t>e</a:t>
+            </a:r>
+            <a:r>
+              <a:rPr lang="en-US" altLang="ja-JP" i="1" baseline="-25000" dirty="0" smtClean="0"/>
+              <a:t>7</a:t>
+            </a:r>
+            <a:endParaRPr kumimoji="1" lang="ja-JP" altLang="en-US" i="1" baseline="-25000" dirty="0"/>
           </a:p>
         </p:txBody>
       </p:sp>
@@ -4401,10 +4425,14 @@
           <a:lstStyle/>
           <a:p>
             <a:r>
-              <a:rPr lang="en-US" altLang="ja-JP" i="1" smtClean="0"/>
-              <a:t>e6</a:t>
-            </a:r>
-            <a:endParaRPr kumimoji="1" lang="ja-JP" altLang="en-US" i="1" dirty="0"/>
+              <a:rPr lang="en-US" altLang="ja-JP" i="1" dirty="0" smtClean="0"/>
+              <a:t>e</a:t>
+            </a:r>
+            <a:r>
+              <a:rPr lang="en-US" altLang="ja-JP" i="1" baseline="-25000" dirty="0" smtClean="0"/>
+              <a:t>6</a:t>
+            </a:r>
+            <a:endParaRPr kumimoji="1" lang="ja-JP" altLang="en-US" i="1" baseline="-25000" dirty="0"/>
           </a:p>
         </p:txBody>
       </p:sp>
@@ -4431,10 +4459,14 @@
           <a:lstStyle/>
           <a:p>
             <a:r>
-              <a:rPr lang="en-US" altLang="ja-JP" i="1" smtClean="0"/>
-              <a:t>e8</a:t>
-            </a:r>
-            <a:endParaRPr kumimoji="1" lang="ja-JP" altLang="en-US" i="1" dirty="0"/>
+              <a:rPr lang="en-US" altLang="ja-JP" i="1" dirty="0" smtClean="0"/>
+              <a:t>e</a:t>
+            </a:r>
+            <a:r>
+              <a:rPr lang="en-US" altLang="ja-JP" i="1" baseline="-25000" dirty="0" smtClean="0"/>
+              <a:t>8</a:t>
+            </a:r>
+            <a:endParaRPr kumimoji="1" lang="ja-JP" altLang="en-US" i="1" baseline="-25000" dirty="0"/>
           </a:p>
         </p:txBody>
       </p:sp>
@@ -4461,10 +4493,14 @@
           <a:lstStyle/>
           <a:p>
             <a:r>
-              <a:rPr lang="en-US" altLang="ja-JP" i="1" smtClean="0"/>
-              <a:t>e9</a:t>
-            </a:r>
-            <a:endParaRPr kumimoji="1" lang="ja-JP" altLang="en-US" i="1" dirty="0"/>
+              <a:rPr lang="en-US" altLang="ja-JP" i="1" dirty="0" smtClean="0"/>
+              <a:t>e</a:t>
+            </a:r>
+            <a:r>
+              <a:rPr lang="en-US" altLang="ja-JP" i="1" baseline="-25000" dirty="0" smtClean="0"/>
+              <a:t>9</a:t>
+            </a:r>
+            <a:endParaRPr kumimoji="1" lang="ja-JP" altLang="en-US" i="1" baseline="-25000" dirty="0"/>
           </a:p>
         </p:txBody>
       </p:sp>
@@ -4491,10 +4527,14 @@
           <a:lstStyle/>
           <a:p>
             <a:r>
-              <a:rPr lang="en-US" altLang="ja-JP" i="1" smtClean="0"/>
-              <a:t>e10</a:t>
-            </a:r>
-            <a:endParaRPr kumimoji="1" lang="ja-JP" altLang="en-US" i="1" dirty="0"/>
+              <a:rPr lang="en-US" altLang="ja-JP" i="1" dirty="0" smtClean="0"/>
+              <a:t>e</a:t>
+            </a:r>
+            <a:r>
+              <a:rPr lang="en-US" altLang="ja-JP" i="1" baseline="-25000" dirty="0" smtClean="0"/>
+              <a:t>10</a:t>
+            </a:r>
+            <a:endParaRPr kumimoji="1" lang="ja-JP" altLang="en-US" i="1" baseline="-25000" dirty="0"/>
           </a:p>
         </p:txBody>
       </p:sp>
@@ -4522,9 +4562,13 @@
           <a:p>
             <a:r>
               <a:rPr lang="en-US" altLang="ja-JP" i="1" dirty="0" smtClean="0"/>
-              <a:t>e11</a:t>
-            </a:r>
-            <a:endParaRPr kumimoji="1" lang="ja-JP" altLang="en-US" i="1" dirty="0"/>
+              <a:t>e</a:t>
+            </a:r>
+            <a:r>
+              <a:rPr lang="en-US" altLang="ja-JP" i="1" baseline="-25000" dirty="0" smtClean="0"/>
+              <a:t>11</a:t>
+            </a:r>
+            <a:endParaRPr kumimoji="1" lang="ja-JP" altLang="en-US" i="1" baseline="-25000" dirty="0"/>
           </a:p>
         </p:txBody>
       </p:sp>
